--- a/pict/pict.pptx
+++ b/pict/pict.pptx
@@ -6,6 +6,7 @@
   </p:sldMasterIdLst>
   <p:sldIdLst>
     <p:sldId id="256" r:id="rId2"/>
+    <p:sldId id="257" r:id="rId3"/>
   </p:sldIdLst>
   <p:sldSz cx="12192000" cy="6858000"/>
   <p:notesSz cx="6858000" cy="9144000"/>
@@ -4434,6 +4435,253 @@
 </p:sld>
 </file>
 
+<file path=ppt/slides/slide2.xml><?xml version="1.0" encoding="utf-8"?>
+<p:sld xmlns:a="http://schemas.openxmlformats.org/drawingml/2006/main" xmlns:r="http://schemas.openxmlformats.org/officeDocument/2006/relationships" xmlns:p="http://schemas.openxmlformats.org/presentationml/2006/main">
+  <p:cSld>
+    <p:spTree>
+      <p:nvGrpSpPr>
+        <p:cNvPr id="1" name=""/>
+        <p:cNvGrpSpPr/>
+        <p:nvPr/>
+      </p:nvGrpSpPr>
+      <p:grpSpPr>
+        <a:xfrm>
+          <a:off x="0" y="0"/>
+          <a:ext cx="0" cy="0"/>
+          <a:chOff x="0" y="0"/>
+          <a:chExt cx="0" cy="0"/>
+        </a:xfrm>
+      </p:grpSpPr>
+      <p:pic>
+        <p:nvPicPr>
+          <p:cNvPr id="4" name="図 3">
+            <a:extLst>
+              <a:ext uri="{FF2B5EF4-FFF2-40B4-BE49-F238E27FC236}">
+                <a16:creationId xmlns:a16="http://schemas.microsoft.com/office/drawing/2014/main" id="{47C73DDD-E6AB-4D6E-814A-619F5754ADF8}"/>
+              </a:ext>
+            </a:extLst>
+          </p:cNvPr>
+          <p:cNvPicPr>
+            <a:picLocks noChangeAspect="1"/>
+          </p:cNvPicPr>
+          <p:nvPr/>
+        </p:nvPicPr>
+        <p:blipFill>
+          <a:blip r:embed="rId2">
+            <a:extLst>
+              <a:ext uri="{28A0092B-C50C-407E-A947-70E740481C1C}">
+                <a14:useLocalDpi xmlns:a14="http://schemas.microsoft.com/office/drawing/2010/main" val="0"/>
+              </a:ext>
+            </a:extLst>
+          </a:blip>
+          <a:stretch>
+            <a:fillRect/>
+          </a:stretch>
+        </p:blipFill>
+        <p:spPr>
+          <a:xfrm>
+            <a:off x="1858861" y="1432854"/>
+            <a:ext cx="3198091" cy="3198091"/>
+          </a:xfrm>
+          <a:prstGeom prst="rect">
+            <a:avLst/>
+          </a:prstGeom>
+        </p:spPr>
+      </p:pic>
+      <p:sp>
+        <p:nvSpPr>
+          <p:cNvPr id="5" name="テキスト ボックス 4">
+            <a:extLst>
+              <a:ext uri="{FF2B5EF4-FFF2-40B4-BE49-F238E27FC236}">
+                <a16:creationId xmlns:a16="http://schemas.microsoft.com/office/drawing/2014/main" id="{4161B834-9527-4733-90A7-4DE1C250ED64}"/>
+              </a:ext>
+            </a:extLst>
+          </p:cNvPr>
+          <p:cNvSpPr txBox="1"/>
+          <p:nvPr/>
+        </p:nvSpPr>
+        <p:spPr>
+          <a:xfrm>
+            <a:off x="4943424" y="1636170"/>
+            <a:ext cx="4304093" cy="1200329"/>
+          </a:xfrm>
+          <a:prstGeom prst="rect">
+            <a:avLst/>
+          </a:prstGeom>
+          <a:noFill/>
+        </p:spPr>
+        <p:txBody>
+          <a:bodyPr wrap="square" rtlCol="0">
+            <a:spAutoFit/>
+          </a:bodyPr>
+          <a:lstStyle/>
+          <a:p>
+            <a:pPr algn="ctr"/>
+            <a:r>
+              <a:rPr kumimoji="1" lang="en-US" altLang="ja-JP" sz="7200" dirty="0">
+                <a:solidFill>
+                  <a:srgbClr val="008080"/>
+                </a:solidFill>
+                <a:latin typeface="Bauhaus 93" panose="04030905020B02020C02" pitchFamily="82" charset="0"/>
+                <a:ea typeface="Adobe Gothic Std B" panose="020B0800000000000000" pitchFamily="34" charset="-128"/>
+              </a:rPr>
+              <a:t>CATOVIS</a:t>
+            </a:r>
+            <a:endParaRPr kumimoji="1" lang="ja-JP" altLang="en-US" sz="7200" dirty="0">
+              <a:solidFill>
+                <a:srgbClr val="008080"/>
+              </a:solidFill>
+              <a:latin typeface="Bauhaus 93" panose="04030905020B02020C02" pitchFamily="82" charset="0"/>
+              <a:ea typeface="Adobe Gothic Std B" panose="020B0800000000000000" pitchFamily="34" charset="-128"/>
+            </a:endParaRPr>
+          </a:p>
+        </p:txBody>
+      </p:sp>
+      <p:sp>
+        <p:nvSpPr>
+          <p:cNvPr id="6" name="テキスト ボックス 5">
+            <a:extLst>
+              <a:ext uri="{FF2B5EF4-FFF2-40B4-BE49-F238E27FC236}">
+                <a16:creationId xmlns:a16="http://schemas.microsoft.com/office/drawing/2014/main" id="{0BB9305E-BD90-4823-9CE7-49949741D42B}"/>
+              </a:ext>
+            </a:extLst>
+          </p:cNvPr>
+          <p:cNvSpPr txBox="1"/>
+          <p:nvPr/>
+        </p:nvSpPr>
+        <p:spPr>
+          <a:xfrm>
+            <a:off x="5056952" y="2691953"/>
+            <a:ext cx="4304093" cy="1938992"/>
+          </a:xfrm>
+          <a:prstGeom prst="rect">
+            <a:avLst/>
+          </a:prstGeom>
+          <a:noFill/>
+        </p:spPr>
+        <p:txBody>
+          <a:bodyPr wrap="square" rtlCol="0">
+            <a:spAutoFit/>
+          </a:bodyPr>
+          <a:lstStyle/>
+          <a:p>
+            <a:pPr algn="ctr"/>
+            <a:r>
+              <a:rPr kumimoji="1" lang="en-US" altLang="ja-JP" sz="6000" dirty="0">
+                <a:solidFill>
+                  <a:srgbClr val="008080"/>
+                </a:solidFill>
+                <a:latin typeface="Bauhaus 93" panose="04030905020B02020C02" pitchFamily="82" charset="0"/>
+                <a:ea typeface="Adobe Gothic Std B" panose="020B0800000000000000" pitchFamily="34" charset="-128"/>
+              </a:rPr>
+              <a:t>A</a:t>
+            </a:r>
+            <a:r>
+              <a:rPr kumimoji="1" lang="ja-JP" altLang="en-US" sz="6000" dirty="0">
+                <a:solidFill>
+                  <a:srgbClr val="008080"/>
+                </a:solidFill>
+                <a:latin typeface="Bauhaus 93" panose="04030905020B02020C02" pitchFamily="82" charset="0"/>
+                <a:ea typeface="Adobe Gothic Std B" panose="020B0800000000000000" pitchFamily="34" charset="-128"/>
+              </a:rPr>
+              <a:t> </a:t>
+            </a:r>
+            <a:r>
+              <a:rPr kumimoji="1" lang="en-US" altLang="ja-JP" sz="6000" dirty="0">
+                <a:solidFill>
+                  <a:srgbClr val="008080"/>
+                </a:solidFill>
+                <a:latin typeface="Bauhaus 93" panose="04030905020B02020C02" pitchFamily="82" charset="0"/>
+                <a:ea typeface="Adobe Gothic Std B" panose="020B0800000000000000" pitchFamily="34" charset="-128"/>
+              </a:rPr>
+              <a:t>WYSIWYG</a:t>
+            </a:r>
+          </a:p>
+          <a:p>
+            <a:pPr algn="ctr"/>
+            <a:r>
+              <a:rPr lang="en-US" altLang="ja-JP" sz="6000" dirty="0">
+                <a:solidFill>
+                  <a:srgbClr val="008080"/>
+                </a:solidFill>
+                <a:latin typeface="Bauhaus 93" panose="04030905020B02020C02" pitchFamily="82" charset="0"/>
+                <a:ea typeface="Adobe Gothic Std B" panose="020B0800000000000000" pitchFamily="34" charset="-128"/>
+              </a:rPr>
+              <a:t>CAT</a:t>
+            </a:r>
+            <a:r>
+              <a:rPr lang="ja-JP" altLang="en-US" sz="6000" dirty="0">
+                <a:solidFill>
+                  <a:srgbClr val="008080"/>
+                </a:solidFill>
+                <a:latin typeface="Bauhaus 93" panose="04030905020B02020C02" pitchFamily="82" charset="0"/>
+                <a:ea typeface="Adobe Gothic Std B" panose="020B0800000000000000" pitchFamily="34" charset="-128"/>
+              </a:rPr>
+              <a:t> </a:t>
+            </a:r>
+            <a:r>
+              <a:rPr lang="en-US" altLang="ja-JP" sz="6000" dirty="0">
+                <a:solidFill>
+                  <a:srgbClr val="008080"/>
+                </a:solidFill>
+                <a:latin typeface="Bauhaus 93" panose="04030905020B02020C02" pitchFamily="82" charset="0"/>
+                <a:ea typeface="Adobe Gothic Std B" panose="020B0800000000000000" pitchFamily="34" charset="-128"/>
+              </a:rPr>
+              <a:t>TOOL</a:t>
+            </a:r>
+            <a:endParaRPr kumimoji="1" lang="ja-JP" altLang="en-US" sz="6000" dirty="0">
+              <a:solidFill>
+                <a:srgbClr val="008080"/>
+              </a:solidFill>
+              <a:latin typeface="Bauhaus 93" panose="04030905020B02020C02" pitchFamily="82" charset="0"/>
+              <a:ea typeface="Adobe Gothic Std B" panose="020B0800000000000000" pitchFamily="34" charset="-128"/>
+            </a:endParaRPr>
+          </a:p>
+        </p:txBody>
+      </p:sp>
+      <p:pic>
+        <p:nvPicPr>
+          <p:cNvPr id="2" name="図 1">
+            <a:extLst>
+              <a:ext uri="{FF2B5EF4-FFF2-40B4-BE49-F238E27FC236}">
+                <a16:creationId xmlns:a16="http://schemas.microsoft.com/office/drawing/2014/main" id="{C015DC3C-9CED-44F9-96F0-5B74F7E80CD2}"/>
+              </a:ext>
+            </a:extLst>
+          </p:cNvPr>
+          <p:cNvPicPr>
+            <a:picLocks noChangeAspect="1"/>
+          </p:cNvPicPr>
+          <p:nvPr/>
+        </p:nvPicPr>
+        <p:blipFill>
+          <a:blip r:embed="rId3"/>
+          <a:stretch>
+            <a:fillRect/>
+          </a:stretch>
+        </p:blipFill>
+        <p:spPr>
+          <a:xfrm>
+            <a:off x="-1753863" y="-2296238"/>
+            <a:ext cx="7651143" cy="3627434"/>
+          </a:xfrm>
+          <a:prstGeom prst="rect">
+            <a:avLst/>
+          </a:prstGeom>
+        </p:spPr>
+      </p:pic>
+    </p:spTree>
+    <p:extLst>
+      <p:ext uri="{BB962C8B-B14F-4D97-AF65-F5344CB8AC3E}">
+        <p14:creationId xmlns:p14="http://schemas.microsoft.com/office/powerpoint/2010/main" val="3539074293"/>
+      </p:ext>
+    </p:extLst>
+  </p:cSld>
+  <p:clrMapOvr>
+    <a:masterClrMapping/>
+  </p:clrMapOvr>
+</p:sld>
+</file>
+
 <file path=ppt/theme/theme1.xml><?xml version="1.0" encoding="utf-8"?>
 <a:theme xmlns:a="http://schemas.openxmlformats.org/drawingml/2006/main" name="Office テーマ">
   <a:themeElements>

--- a/pict/pict.pptx
+++ b/pict/pict.pptx
@@ -7,6 +7,7 @@
   <p:sldIdLst>
     <p:sldId id="256" r:id="rId2"/>
     <p:sldId id="257" r:id="rId3"/>
+    <p:sldId id="258" r:id="rId4"/>
   </p:sldIdLst>
   <p:sldSz cx="12192000" cy="6858000"/>
   <p:notesSz cx="6858000" cy="9144000"/>
@@ -108,7 +109,7 @@
   <p:extLst>
     <p:ext uri="{EFAFB233-063F-42B5-8137-9DF3F51BA10A}">
       <p15:sldGuideLst xmlns:p15="http://schemas.microsoft.com/office/powerpoint/2012/main">
-        <p15:guide id="1" orient="horz" pos="2160" userDrawn="1">
+        <p15:guide id="1" orient="horz" pos="2137" userDrawn="1">
           <p15:clr>
             <a:srgbClr val="A4A3A4"/>
           </p15:clr>
@@ -271,7 +272,7 @@
           <a:p>
             <a:fld id="{F5B24654-5C05-4C72-8C4D-E65BEFCEEC39}" type="datetimeFigureOut">
               <a:rPr kumimoji="1" lang="ja-JP" altLang="en-US" smtClean="0"/>
-              <a:t>2020/1/16</a:t>
+              <a:t>2020/8/3</a:t>
             </a:fld>
             <a:endParaRPr kumimoji="1" lang="ja-JP" altLang="en-US"/>
           </a:p>
@@ -501,7 +502,7 @@
           <a:p>
             <a:fld id="{F5B24654-5C05-4C72-8C4D-E65BEFCEEC39}" type="datetimeFigureOut">
               <a:rPr kumimoji="1" lang="ja-JP" altLang="en-US" smtClean="0"/>
-              <a:t>2020/1/16</a:t>
+              <a:t>2020/8/3</a:t>
             </a:fld>
             <a:endParaRPr kumimoji="1" lang="ja-JP" altLang="en-US"/>
           </a:p>
@@ -741,7 +742,7 @@
           <a:p>
             <a:fld id="{F5B24654-5C05-4C72-8C4D-E65BEFCEEC39}" type="datetimeFigureOut">
               <a:rPr kumimoji="1" lang="ja-JP" altLang="en-US" smtClean="0"/>
-              <a:t>2020/1/16</a:t>
+              <a:t>2020/8/3</a:t>
             </a:fld>
             <a:endParaRPr kumimoji="1" lang="ja-JP" altLang="en-US"/>
           </a:p>
@@ -971,7 +972,7 @@
           <a:p>
             <a:fld id="{F5B24654-5C05-4C72-8C4D-E65BEFCEEC39}" type="datetimeFigureOut">
               <a:rPr kumimoji="1" lang="ja-JP" altLang="en-US" smtClean="0"/>
-              <a:t>2020/1/16</a:t>
+              <a:t>2020/8/3</a:t>
             </a:fld>
             <a:endParaRPr kumimoji="1" lang="ja-JP" altLang="en-US"/>
           </a:p>
@@ -1246,7 +1247,7 @@
           <a:p>
             <a:fld id="{F5B24654-5C05-4C72-8C4D-E65BEFCEEC39}" type="datetimeFigureOut">
               <a:rPr kumimoji="1" lang="ja-JP" altLang="en-US" smtClean="0"/>
-              <a:t>2020/1/16</a:t>
+              <a:t>2020/8/3</a:t>
             </a:fld>
             <a:endParaRPr kumimoji="1" lang="ja-JP" altLang="en-US"/>
           </a:p>
@@ -1575,7 +1576,7 @@
           <a:p>
             <a:fld id="{F5B24654-5C05-4C72-8C4D-E65BEFCEEC39}" type="datetimeFigureOut">
               <a:rPr kumimoji="1" lang="ja-JP" altLang="en-US" smtClean="0"/>
-              <a:t>2020/1/16</a:t>
+              <a:t>2020/8/3</a:t>
             </a:fld>
             <a:endParaRPr kumimoji="1" lang="ja-JP" altLang="en-US"/>
           </a:p>
@@ -2051,7 +2052,7 @@
           <a:p>
             <a:fld id="{F5B24654-5C05-4C72-8C4D-E65BEFCEEC39}" type="datetimeFigureOut">
               <a:rPr kumimoji="1" lang="ja-JP" altLang="en-US" smtClean="0"/>
-              <a:t>2020/1/16</a:t>
+              <a:t>2020/8/3</a:t>
             </a:fld>
             <a:endParaRPr kumimoji="1" lang="ja-JP" altLang="en-US"/>
           </a:p>
@@ -2192,7 +2193,7 @@
           <a:p>
             <a:fld id="{F5B24654-5C05-4C72-8C4D-E65BEFCEEC39}" type="datetimeFigureOut">
               <a:rPr kumimoji="1" lang="ja-JP" altLang="en-US" smtClean="0"/>
-              <a:t>2020/1/16</a:t>
+              <a:t>2020/8/3</a:t>
             </a:fld>
             <a:endParaRPr kumimoji="1" lang="ja-JP" altLang="en-US"/>
           </a:p>
@@ -2305,7 +2306,7 @@
           <a:p>
             <a:fld id="{F5B24654-5C05-4C72-8C4D-E65BEFCEEC39}" type="datetimeFigureOut">
               <a:rPr kumimoji="1" lang="ja-JP" altLang="en-US" smtClean="0"/>
-              <a:t>2020/1/16</a:t>
+              <a:t>2020/8/3</a:t>
             </a:fld>
             <a:endParaRPr kumimoji="1" lang="ja-JP" altLang="en-US"/>
           </a:p>
@@ -2648,7 +2649,7 @@
           <a:p>
             <a:fld id="{F5B24654-5C05-4C72-8C4D-E65BEFCEEC39}" type="datetimeFigureOut">
               <a:rPr kumimoji="1" lang="ja-JP" altLang="en-US" smtClean="0"/>
-              <a:t>2020/1/16</a:t>
+              <a:t>2020/8/3</a:t>
             </a:fld>
             <a:endParaRPr kumimoji="1" lang="ja-JP" altLang="en-US"/>
           </a:p>
@@ -2936,7 +2937,7 @@
           <a:p>
             <a:fld id="{F5B24654-5C05-4C72-8C4D-E65BEFCEEC39}" type="datetimeFigureOut">
               <a:rPr kumimoji="1" lang="ja-JP" altLang="en-US" smtClean="0"/>
-              <a:t>2020/1/16</a:t>
+              <a:t>2020/8/3</a:t>
             </a:fld>
             <a:endParaRPr kumimoji="1" lang="ja-JP" altLang="en-US"/>
           </a:p>
@@ -3209,7 +3210,7 @@
           <a:p>
             <a:fld id="{F5B24654-5C05-4C72-8C4D-E65BEFCEEC39}" type="datetimeFigureOut">
               <a:rPr kumimoji="1" lang="ja-JP" altLang="en-US" smtClean="0"/>
-              <a:t>2020/1/16</a:t>
+              <a:t>2020/8/3</a:t>
             </a:fld>
             <a:endParaRPr kumimoji="1" lang="ja-JP" altLang="en-US"/>
           </a:p>
@@ -4682,6 +4683,234 @@
 </p:sld>
 </file>
 
+<file path=ppt/slides/slide3.xml><?xml version="1.0" encoding="utf-8"?>
+<p:sld xmlns:a="http://schemas.openxmlformats.org/drawingml/2006/main" xmlns:r="http://schemas.openxmlformats.org/officeDocument/2006/relationships" xmlns:p="http://schemas.openxmlformats.org/presentationml/2006/main">
+  <p:cSld>
+    <p:spTree>
+      <p:nvGrpSpPr>
+        <p:cNvPr id="1" name=""/>
+        <p:cNvGrpSpPr/>
+        <p:nvPr/>
+      </p:nvGrpSpPr>
+      <p:grpSpPr>
+        <a:xfrm>
+          <a:off x="0" y="0"/>
+          <a:ext cx="0" cy="0"/>
+          <a:chOff x="0" y="0"/>
+          <a:chExt cx="0" cy="0"/>
+        </a:xfrm>
+      </p:grpSpPr>
+      <p:pic>
+        <p:nvPicPr>
+          <p:cNvPr id="4" name="図 3">
+            <a:extLst>
+              <a:ext uri="{FF2B5EF4-FFF2-40B4-BE49-F238E27FC236}">
+                <a16:creationId xmlns:a16="http://schemas.microsoft.com/office/drawing/2014/main" id="{47C73DDD-E6AB-4D6E-814A-619F5754ADF8}"/>
+              </a:ext>
+            </a:extLst>
+          </p:cNvPr>
+          <p:cNvPicPr>
+            <a:picLocks noChangeAspect="1"/>
+          </p:cNvPicPr>
+          <p:nvPr/>
+        </p:nvPicPr>
+        <p:blipFill>
+          <a:blip r:embed="rId2">
+            <a:extLst>
+              <a:ext uri="{28A0092B-C50C-407E-A947-70E740481C1C}">
+                <a14:useLocalDpi xmlns:a14="http://schemas.microsoft.com/office/drawing/2010/main" val="0"/>
+              </a:ext>
+            </a:extLst>
+          </a:blip>
+          <a:stretch>
+            <a:fillRect/>
+          </a:stretch>
+        </p:blipFill>
+        <p:spPr>
+          <a:xfrm>
+            <a:off x="1858861" y="1432854"/>
+            <a:ext cx="3198091" cy="3198091"/>
+          </a:xfrm>
+          <a:prstGeom prst="rect">
+            <a:avLst/>
+          </a:prstGeom>
+        </p:spPr>
+      </p:pic>
+      <p:sp>
+        <p:nvSpPr>
+          <p:cNvPr id="5" name="テキスト ボックス 4">
+            <a:extLst>
+              <a:ext uri="{FF2B5EF4-FFF2-40B4-BE49-F238E27FC236}">
+                <a16:creationId xmlns:a16="http://schemas.microsoft.com/office/drawing/2014/main" id="{4161B834-9527-4733-90A7-4DE1C250ED64}"/>
+              </a:ext>
+            </a:extLst>
+          </p:cNvPr>
+          <p:cNvSpPr txBox="1"/>
+          <p:nvPr/>
+        </p:nvSpPr>
+        <p:spPr>
+          <a:xfrm>
+            <a:off x="4888017" y="1593304"/>
+            <a:ext cx="4734502" cy="1323439"/>
+          </a:xfrm>
+          <a:prstGeom prst="rect">
+            <a:avLst/>
+          </a:prstGeom>
+          <a:noFill/>
+        </p:spPr>
+        <p:txBody>
+          <a:bodyPr wrap="square" rtlCol="0">
+            <a:spAutoFit/>
+          </a:bodyPr>
+          <a:lstStyle/>
+          <a:p>
+            <a:pPr algn="ctr"/>
+            <a:r>
+              <a:rPr kumimoji="1" lang="en-US" altLang="ja-JP" sz="8000" b="1" dirty="0">
+                <a:ln w="28575">
+                  <a:solidFill>
+                    <a:srgbClr val="008080"/>
+                  </a:solidFill>
+                </a:ln>
+                <a:solidFill>
+                  <a:srgbClr val="008080"/>
+                </a:solidFill>
+                <a:latin typeface="Lucida Console" panose="020B0609040504020204" pitchFamily="49" charset="0"/>
+                <a:ea typeface="Adobe Gothic Std B" panose="020B0800000000000000" pitchFamily="34" charset="-128"/>
+              </a:rPr>
+              <a:t>CATOVIS</a:t>
+            </a:r>
+            <a:endParaRPr kumimoji="1" lang="ja-JP" altLang="en-US" sz="8000" b="1" dirty="0">
+              <a:ln w="28575">
+                <a:solidFill>
+                  <a:srgbClr val="008080"/>
+                </a:solidFill>
+              </a:ln>
+              <a:solidFill>
+                <a:srgbClr val="008080"/>
+              </a:solidFill>
+              <a:latin typeface="Lucida Console" panose="020B0609040504020204" pitchFamily="49" charset="0"/>
+              <a:ea typeface="Adobe Gothic Std B" panose="020B0800000000000000" pitchFamily="34" charset="-128"/>
+            </a:endParaRPr>
+          </a:p>
+        </p:txBody>
+      </p:sp>
+      <p:sp>
+        <p:nvSpPr>
+          <p:cNvPr id="7" name="テキスト ボックス 6">
+            <a:extLst>
+              <a:ext uri="{FF2B5EF4-FFF2-40B4-BE49-F238E27FC236}">
+                <a16:creationId xmlns:a16="http://schemas.microsoft.com/office/drawing/2014/main" id="{8C16C80D-6C60-4655-8087-51904A35D4D6}"/>
+              </a:ext>
+            </a:extLst>
+          </p:cNvPr>
+          <p:cNvSpPr txBox="1"/>
+          <p:nvPr/>
+        </p:nvSpPr>
+        <p:spPr>
+          <a:xfrm>
+            <a:off x="5174372" y="2876619"/>
+            <a:ext cx="4304093" cy="1754326"/>
+          </a:xfrm>
+          <a:prstGeom prst="rect">
+            <a:avLst/>
+          </a:prstGeom>
+          <a:noFill/>
+        </p:spPr>
+        <p:txBody>
+          <a:bodyPr wrap="square" rtlCol="0">
+            <a:spAutoFit/>
+          </a:bodyPr>
+          <a:lstStyle/>
+          <a:p>
+            <a:pPr algn="ctr"/>
+            <a:r>
+              <a:rPr kumimoji="1" lang="ja-JP" altLang="en-US" sz="5400" dirty="0">
+                <a:solidFill>
+                  <a:srgbClr val="008080"/>
+                </a:solidFill>
+                <a:latin typeface="源真ゴシック Bold" panose="020B0602020203020207" pitchFamily="50" charset="-128"/>
+                <a:ea typeface="源真ゴシック Bold" panose="020B0602020203020207" pitchFamily="50" charset="-128"/>
+                <a:cs typeface="源真ゴシック Bold" panose="020B0602020203020207" pitchFamily="50" charset="-128"/>
+              </a:rPr>
+              <a:t>翻訳にもっと</a:t>
+            </a:r>
+            <a:endParaRPr kumimoji="1" lang="en-US" altLang="ja-JP" sz="5400" dirty="0">
+              <a:solidFill>
+                <a:srgbClr val="008080"/>
+              </a:solidFill>
+              <a:latin typeface="源真ゴシック Bold" panose="020B0602020203020207" pitchFamily="50" charset="-128"/>
+              <a:ea typeface="源真ゴシック Bold" panose="020B0602020203020207" pitchFamily="50" charset="-128"/>
+              <a:cs typeface="源真ゴシック Bold" panose="020B0602020203020207" pitchFamily="50" charset="-128"/>
+            </a:endParaRPr>
+          </a:p>
+          <a:p>
+            <a:pPr algn="ctr"/>
+            <a:r>
+              <a:rPr lang="ja-JP" altLang="en-US" sz="5400" dirty="0">
+                <a:solidFill>
+                  <a:srgbClr val="008080"/>
+                </a:solidFill>
+                <a:latin typeface="源真ゴシック Bold" panose="020B0602020203020207" pitchFamily="50" charset="-128"/>
+                <a:ea typeface="源真ゴシック Bold" panose="020B0602020203020207" pitchFamily="50" charset="-128"/>
+                <a:cs typeface="源真ゴシック Bold" panose="020B0602020203020207" pitchFamily="50" charset="-128"/>
+              </a:rPr>
+              <a:t>機械の力を</a:t>
+            </a:r>
+            <a:endParaRPr kumimoji="1" lang="en-US" altLang="ja-JP" sz="5400" dirty="0">
+              <a:solidFill>
+                <a:srgbClr val="008080"/>
+              </a:solidFill>
+              <a:latin typeface="源真ゴシック Bold" panose="020B0602020203020207" pitchFamily="50" charset="-128"/>
+              <a:ea typeface="源真ゴシック Bold" panose="020B0602020203020207" pitchFamily="50" charset="-128"/>
+              <a:cs typeface="源真ゴシック Bold" panose="020B0602020203020207" pitchFamily="50" charset="-128"/>
+            </a:endParaRPr>
+          </a:p>
+        </p:txBody>
+      </p:sp>
+      <p:pic>
+        <p:nvPicPr>
+          <p:cNvPr id="9" name="図 8">
+            <a:extLst>
+              <a:ext uri="{FF2B5EF4-FFF2-40B4-BE49-F238E27FC236}">
+                <a16:creationId xmlns:a16="http://schemas.microsoft.com/office/drawing/2014/main" id="{44450098-DD34-44D2-B89B-96FC7CA7DC06}"/>
+              </a:ext>
+            </a:extLst>
+          </p:cNvPr>
+          <p:cNvPicPr>
+            <a:picLocks noChangeAspect="1"/>
+          </p:cNvPicPr>
+          <p:nvPr/>
+        </p:nvPicPr>
+        <p:blipFill>
+          <a:blip r:embed="rId3"/>
+          <a:stretch>
+            <a:fillRect/>
+          </a:stretch>
+        </p:blipFill>
+        <p:spPr>
+          <a:xfrm>
+            <a:off x="-3173179" y="-1555795"/>
+            <a:ext cx="7943776" cy="3554276"/>
+          </a:xfrm>
+          <a:prstGeom prst="rect">
+            <a:avLst/>
+          </a:prstGeom>
+        </p:spPr>
+      </p:pic>
+    </p:spTree>
+    <p:extLst>
+      <p:ext uri="{BB962C8B-B14F-4D97-AF65-F5344CB8AC3E}">
+        <p14:creationId xmlns:p14="http://schemas.microsoft.com/office/powerpoint/2010/main" val="1749693708"/>
+      </p:ext>
+    </p:extLst>
+  </p:cSld>
+  <p:clrMapOvr>
+    <a:masterClrMapping/>
+  </p:clrMapOvr>
+</p:sld>
+</file>
+
 <file path=ppt/theme/theme1.xml><?xml version="1.0" encoding="utf-8"?>
 <a:theme xmlns:a="http://schemas.openxmlformats.org/drawingml/2006/main" name="Office テーマ">
   <a:themeElements>
